--- a/studies/SAL M’DJAREB-BUSINESS  PLAN.pptx
+++ b/studies/SAL M’DJAREB-BUSINESS  PLAN.pptx
@@ -58,19 +58,19 @@
   <p:notesSz cx="6858000" cy="9144000"/>
   <p:embeddedFontLst>
     <p:embeddedFont>
-      <p:font typeface="Roboto" panose="020B0604020202020204" charset="0"/>
+      <p:font typeface="Oswald" panose="020B0604020202020204" charset="0"/>
       <p:regular r:id="rId48"/>
       <p:bold r:id="rId49"/>
-      <p:italic r:id="rId50"/>
-      <p:boldItalic r:id="rId51"/>
-    </p:embeddedFont>
-    <p:embeddedFont>
-      <p:font typeface="Oswald" panose="020B0604020202020204" charset="0"/>
-      <p:regular r:id="rId52"/>
-      <p:bold r:id="rId53"/>
     </p:embeddedFont>
     <p:embeddedFont>
       <p:font typeface="Source Code Pro" panose="020B0604020202020204" charset="0"/>
+      <p:regular r:id="rId50"/>
+      <p:bold r:id="rId51"/>
+      <p:italic r:id="rId52"/>
+      <p:boldItalic r:id="rId53"/>
+    </p:embeddedFont>
+    <p:embeddedFont>
+      <p:font typeface="Roboto" panose="020B0604020202020204" charset="0"/>
       <p:regular r:id="rId54"/>
       <p:bold r:id="rId55"/>
       <p:italic r:id="rId56"/>
@@ -336,6 +336,142 @@
     <p:text>Study paper :''"Do Online Reviews Improve Product Quality "</p:text>
   </p:cm>
 </p:cmLst>
+</file>
+
+<file path=ppt/ink/ink1.xml><?xml version="1.0" encoding="utf-8"?>
+<inkml:ink xmlns:inkml="http://www.w3.org/2003/InkML">
+  <inkml:definitions>
+    <inkml:context xml:id="ctx0">
+      <inkml:inkSource xml:id="inkSrc0">
+        <inkml:traceFormat>
+          <inkml:channel name="X" type="integer" max="1360" units="cm"/>
+          <inkml:channel name="Y" type="integer" max="768" units="cm"/>
+          <inkml:channel name="T" type="integer" max="2.14748E9" units="dev"/>
+        </inkml:traceFormat>
+        <inkml:channelProperties>
+          <inkml:channelProperty channel="X" name="resolution" value="8.5" units="1/cm"/>
+          <inkml:channelProperty channel="Y" name="resolution" value="8.53333" units="1/cm"/>
+          <inkml:channelProperty channel="T" name="resolution" value="1" units="1/dev"/>
+        </inkml:channelProperties>
+      </inkml:inkSource>
+      <inkml:timestamp xml:id="ts0" timeString="2022-06-25T19:02:35.570"/>
+    </inkml:context>
+    <inkml:brush xml:id="br0">
+      <inkml:brushProperty name="width" value="0.05292" units="cm"/>
+      <inkml:brushProperty name="height" value="0.05292" units="cm"/>
+      <inkml:brushProperty name="color" value="#FF0000"/>
+    </inkml:brush>
+  </inkml:definitions>
+  <inkml:trace contextRef="#ctx0" brushRef="#br0">9207 5491 0,'57'0'15,"36"0"-15,0 0 16,38 0-16,37 0 16,19 19-16,-38-19 15,-55 0 1,-38 0-16,-19 0 0,-18 0 47,-19 19-47,-19-19 15,0 18 1</inkml:trace>
+  <inkml:trace contextRef="#ctx0" brushRef="#br0" timeOffset="3015.343">10795 5566 0,'19'0'0,"-19"-19"16,18 19-16,-18-18 15,19-1-15,0 0 16,-19-18-16,0-19 16,0 37-16,18 0 15,-18-18-15,0-19 16,0 19 0,0-1-16,0 1 15,0 0-15,0 18 16,0-18-16,0 18 31,0 0 0,19 1-15,-19-1 0,0 0-1,19 19 1,-19-18 31,-38 18 46,1 0-77,-19 0 0,-19 0-16,-18 0 15,-38 0-15,0 0 16,-18 0-16,0 0 16,-19 0-16,18-19 15,-55 19-15,55-19 16,1 19-16,-1-18 15,20 18-15,-20-19 16,1 0-16,-38 1 16,38 18-16,-1-19 15,20 0-15,36 19 16,-18-18-16,-19-1 16,19 0-16,0 0 15,0 1-15,37-1 16,1 0-16,-20 19 15,38-18-15,0-1 16,0 0-16,0 1 16,19 18-16,0 0 15,-1 0-15,20 0 16,-1 0-16,0 0 16,1 0 15,-1 0-16,19 18 1,-19-18 0,19 19 15,-19-19-31,19 19 16,-18 18-1,18-18-15,0-1 16,-19 20-16,19-19 15,0-1-15,0 20 16,0-1-16,0-18 16,0 18-16,0 0 15,0 1-15,0-1 16,0 19-16,0-19 16,19-18-16,-19 18 15,0 1-15,0-1 16,0 0-16,18 1 15,-18-20-15,0 20 16,0-1-16,0-18 16,0 0-16,0-1 15,19-18-15,-19 19 16,0 0 15,19-19-15,0 0-1,-19 18-15,18-18 16,20 0-16,18 0 16,0 0-16,37 19 15,19-19-15,56 19 16,0-1-16,75 1 16,37-19-16,0 19 15,-18-19-15,-19 0 16,-19 0-16,0 18 15,-37-18-15,-38 0 16,-74 0-16,-19 0 16,-38 0 343,20 0-343,18 0-16,0 0 15,0-18-15,0 18 16,0-19-16,19 0 16,-38 1-16,0 18 15,-18 0 1</inkml:trace>
+  <inkml:trace contextRef="#ctx0" brushRef="#br0" timeOffset="4654.5081">12849 5473 0,'-18'0'31,"-20"0"-31,1 0 15,-19 18-15,0 1 16,-37 0-16,37-19 16,0 18-16,-1-18 15,1 0-15,19 0 16,18 19-16,1-19 16,36 0 62,20 0-63,-1 0-15,0 0 16,1 0 0,-94 0 30,-19 19-30,0-19-16,19 18 16,-18 1-16,18-19 15,18 19-15,57-19 63,18 0-63,19 0 15,-74 0 48,-1 0-47,0 0 46,1 0-31</inkml:trace>
+  <inkml:trace contextRef="#ctx0" brushRef="#br0" timeOffset="7862.8252">15782 6276 0,'18'0'31,"-18"18"-15,0 1 0,-18-19-1,18 19-15,-19-19 16,0 18-16,1 1 16,-20-19-16,20 19 15,-1-1-15,-37 1 16,18 0-16,1-1 15,-19-18-15,0 38 16,-37-20-16,18 1 16,0-19-16,-18 19 15,0-19-15,-1 0 16,-37 0-16,19 0 16,0 0-16,-18 0 15,-20 0-15,-55 18 16,37 1-1,-19 0-15,0 18 16,0-18-16,1 18 16,17-18-16,1 0 15,0-1-15,56-18 16,-19 0-16,1 19 16,-20-19-16,-18 0 15,19 0-15,18 0 16,0 0-16,19 0 15,-18 0-15,-20 0 16,1 0-16,18 0 16,0 0-16,19 0 15,-19 0-15,19 0 16,-37-19-16,37 1 16,19-1-16,-1-18 15,-18-1-15,19 1 16,-38-1-16,0 20 15,19-1-15,38 0 16,17 1-16,1 18 16,0 0-16,19 0 15,-38-19-15,38 0 16,0 1-16,18 18 16,-18 0-1,37-19-15,-19 19 16,0-19-1,19 1-15,-18 18 16,-1-19-16,19 0 16,-19 1-1,1-20-15,-20 20 16,38-20-16,-37 1 16,37 18-16,-19 1 15,1 18-15,18-19 16,0-18-16,0 18 15,18 0 1,1 1 0,0-1-16,18 0 15,56 19-15,57-19 16,18 1-16,56-20 16,56 38-16,19 0 15,112-18-15,112 18 16,-75 0-16,-37 0 15,18-19-15,-36 19 16,-20 0 0,38 0-16,-112 0 15,-19-37-15,-93 37 16,-1 0-16,-73 0 16,-39 0-16,-18 0 15</inkml:trace>
+  <inkml:trace contextRef="#ctx0" brushRef="#br0" timeOffset="8942.7298">7713 6743 0,'-74'-19'0,"-38"0"15,18 1-15,-37-1 16,1-19-16,-38 1 16,18 18-16,-37 1 15,-18-1-15,18 0 16,1 19-16,-20 0 15,38 0-15,-37 0 16,55 0-16,19 19 16,38 0-16,0 18 15,18-18-15,19 18 16,37-18-16,1-19 16,-1 19 30</inkml:trace>
+  <inkml:trace contextRef="#ctx0" brushRef="#br0" timeOffset="9422.9759">8871 7303 0,'56'0'0,"19"-19"16,37 19-16,0 0 15,0 0-15,-18 0 16,-20 0-16,38 0 16,-37 0-16,-19 0 15,0 0-15,0 0 16</inkml:trace>
+</inkml:ink>
+</file>
+
+<file path=ppt/ink/ink2.xml><?xml version="1.0" encoding="utf-8"?>
+<inkml:ink xmlns:inkml="http://www.w3.org/2003/InkML">
+  <inkml:definitions>
+    <inkml:context xml:id="ctx0">
+      <inkml:inkSource xml:id="inkSrc0">
+        <inkml:traceFormat>
+          <inkml:channel name="X" type="integer" max="1360" units="cm"/>
+          <inkml:channel name="Y" type="integer" max="768" units="cm"/>
+          <inkml:channel name="T" type="integer" max="2.14748E9" units="dev"/>
+        </inkml:traceFormat>
+        <inkml:channelProperties>
+          <inkml:channelProperty channel="X" name="resolution" value="8.5" units="1/cm"/>
+          <inkml:channelProperty channel="Y" name="resolution" value="8.53333" units="1/cm"/>
+          <inkml:channelProperty channel="T" name="resolution" value="1" units="1/dev"/>
+        </inkml:channelProperties>
+      </inkml:inkSource>
+      <inkml:timestamp xml:id="ts0" timeString="2022-06-25T18:55:33.738"/>
+    </inkml:context>
+    <inkml:brush xml:id="br0">
+      <inkml:brushProperty name="width" value="0.05292" units="cm"/>
+      <inkml:brushProperty name="height" value="0.05292" units="cm"/>
+      <inkml:brushProperty name="color" value="#FF0000"/>
+    </inkml:brush>
+  </inkml:definitions>
+  <inkml:trace contextRef="#ctx0" brushRef="#br0">2204 4408 0,'18'-19'31,"1"19"-31,0 0 16,0-18-16,18 18 15,19-19-15,56 19 16,19-19-16,-19 19 16,37 0-16,57-18 15,-1 18-15,19-19 16,-37 19-16,0 0 16,-19 0-16,37-19 15,-18 19-15,74 0 16,-18 0-16,0 0 15,37 0-15,19 0 16,19-18-16,-20 18 16,113 0-16,-37 0 15,-75 0-15,18 0 16,-55 0 0,18 0-16,19 0 0,-1 0 15,20 0 1,-1 0-16,1 0 15,-1 18-15,94-18 16,-56 0-16,-93 0 16,18 0-16,-38 0 15,1 0-15,93 0 16,-18 0-16,37 0 16,0 0-16,18 0 15,-18 0-15,56 0 16,-112 0-16,-56 0 15,-19 0-15,-19 0 16,-37 0-16,19-18 16,-19-1-16,-19 0 15,38 1-15,-19-1 16,19 19-16,-19-19 16,38 19-16,-57 0 15,0-19-15,-18 19 16,-19 0-16,19 0 15,18 0-15,1 0 16,-1 0 0,1 19-16,-1-19 15,0 0-15,20 0 16,-57 0-16,18 0 16,-36 0-16,18 0 15,-19 0-15,38 0 16,-19-19-16,-19 1 15,19-1-15,0 0 16,-18-18-16,18 37 16,0-37-16,-37-1 15,18 1-15,-37 18 16,0 1-16,19-1 16,18 0-16,-18-18 15,-19 18 1,0 1-16,37-1 0,-18 0 15,37 1-15,-19 18 16,20 0-16,-20 0 16,38 0-16,-1-19 15,20 19-15,-19 0 16,-19 0-16,18-19 16,-18 19-16,-18 0 15,36 0-15,-36 0 16,18 0-1,-37 0-15,-1 0 16,1 0-16,-19 0 16,0 19-16,-19-19 15,19 0-15,-18 19 16,18-1-16,0 1 16,0 0-16,0-1 15,19 20-15,-38-20 16,19 20-16,0-20 15,0 20-15,-19-20 16,19 20-16,-18-20 16,18 20-16,-19-20 15,1 20-15,-20-20 16,20 1-16,-20 0 16,20 0-16,-20-1 15,1-18-15,0 38 16,-1-20-16,20 20 15,-20-20-15,20 20 16,-1-1-16,-18-18 16,18 18-16,-18 0 15,18-18-15,0 18 16,-18 1 0,19-20-16,-20 38 15,20-37-15,-20 18 16,20 1-16,-20 18 15,1-19-15,0 19 16,-1 0-16,20-18 16,-38 18-16,18-38 15,1 1-15,0 18 16,-19-18-16,0 0 16,18 18-16,-18-18 15,19 18-15,-19 0 16,0 1-16,0 36 15,0-17-15,0-1 16,0 0-16,0 0 16,0 0-16,0 0 15,0-19-15,0 0 16,-19 1-16,1-20 16,18 20-16,0-1 15,-19-18-15,0 18 16,19-18-16,-18 18 15,-1 1-15,0-20 16,1 1-16,-1 18 16,19-18-16,-19 0 15,19-1 1,-18 1-16,-1-19 16,0 19-16,1-19 15,-1 18-15,0 1 16,1 0-16,-1-1 15,0-18-15,0 19 16,1-19-16,-1 19 16,-18-1-16,18-18 15,0 19-15,-18 0 16,18-19-16,1 0 16,-1 0-16,0 18 15,1-18-15,18 19 16,-19-19-16,0 0 15,1 19-15,-1-19 16,19 18 172,-19-18-48,19 19-93,-18-19-31,18 19-16,-19-19 15,19 18 1,-19-18 0,19 19 15,-18-19-16,-1 19 1,19-1 0,-19-18-16,1 0 15,18 19 1,-19-19-16,-18 19 16,18 0-1,0-19-15,-18 18 16,18 1-16,-18-19 15,18 19-15,0-1 16,-18-18-16,18 19 16,1-19-16,-1 19 15,0-19-15,1 0 16,-1 18-16,0-18 16,1 0-16,-1 19 15,0-19-15,1 19 16,-1-19-16,-18 18 15,18 1-15,0-19 16,-18 19-16,0-1 16,-1 1-1,20-19-15,-38 19 16,37-1-16,-19-18 16,1 19-16,-19 0 15,19-1-15,-1-18 16,1 19-16,0 0 15,-19-1-15,-19 1 16,19 0-16,0-1 16,0 1-16,0 0 15,0-1-15,-38 1 16,20 0-16,-1-1 16,-37-18-16,0 19 15,19 0-15,-38 0 16,19-1-16,18 1 15,-18 0-15,38-1 16,-38-18-16,18 19 16,-18 0-16,37-1 15,1-18-15,-1 0 16,-18 19-16,18-19 16,0 0-16,0 0 15,38 0-15,-19 0 16,0 0-16,19 0 15,-19 0 1,0 0-16,0 0 16,-19 0-16,19 0 15,-19 0-15,0 0 16,1 0-16,-1 0 16,-18 0-16,-1 0 15,20 0-15,-20 0 16,1 0-16,-38 0 15,19 0-15,-19 0 16,19 0-16,-37 0 16,-38 0-16,38 0 15,37 0-15,-38 0 16,1 0-16,-1 0 16,1 0-16,-38 0 15,38 0-15,-1 0 16,20 0-1,-20 0-15,1 0 0,-19 0 16,18 0-16,1 0 16,-1 0-1,1 0-15,0 0 16,-19 0-16,-38 0 16,1 0-16,18 0 0,0 0 15,19 0 1,19 0-16,-19 0 15,-19 0-15,75 0 16,-75 0-16,19 0 16,-38 0-16,38 0 15,0 0-15,-19 0 16,1 0-16,-1 0 16,19 0-16,-38 19 15,38-19-15,0 0 16,19 0-16,-1 0 15,-36 0-15,-1 0 16,-19 0-16,1 0 16,18 0-16,0 18 15,19-18-15,0 0 16,-56 0-16,19 0 16,18 0-16,-18 0 15,-1 0-15,38 0 16,0 0-16,19 0 15,18 0 1,0 0-16,-18 0 0,-1 0 16,1 0-1,-19 0-15,18 0 16,20 0-16,-1 0 16,19 0-16,0 0 15,-19 0-15,19 0 16,-19 0-16,0 0 15,38 0-15,-19 0 16,19 0-16,-1 0 16,-18 0-16,19 0 15,-19 0-15,18 0 16,-18 0-16,19 0 16,0 0-16,-1 0 15,19 0-15,19 0 16,0 0-16,0 0 15,19 0-15,0 0 16,-1 0-16,1 0 16,0 0-16,-1 0 15,-18 0-15,0 0 16,0 0-16,0 0 16,0 0-16,0 0 15,0 0 1,0 0-16,0 0 15,-19 0-15,19-18 16,0 18-16,0-19 16,0 19-16,0 0 15,-37 0-15,18 0 16,19 0-16,0 0 16,0 0-16,0 0 15,0 0-15,-19 0 16,19 0-16,19 0 15,-19 0-15,0-19 16,18 19-16,-18 0 16,0-18-16,19 18 15,0 0-15,-19-19 16,0 19-16,0-19 16,18 19-16,-18 0 15,19-18-15,-19-1 16,37 19-16,0-19 15,-18 1-15,18 18 16,1-19-16,-20 0 16,20 0-16,-38-18 15,37 18-15,-18-18 16,-1 0-16,-18 18 16,0-37-1,-37-19-15,37 19 0,-38 0 16,20-18-1,18 36-15,0-18 16,18 19-16,1-1 16,0-18-16,-1 19 15,20 0-15,-1-1 16,0-18-16,19 19 16,0-19-16,0 0 15,0 19-15,0-19 16,0 18-16,0 1 15,0-19-15,19 0 16,-19 0-16,0 0 16,0 0-16,0 18 15,19-18-15,-19 0 16,18 0-16,1 0 16,-19 19-16,19 0 15,-19-1-15,18 1 16,-18 18-16,0 0 15,19-18-15,0 18 32,-19 1-32,0-1 15,18 19-15,-18-19 16,19 19 0,-19-18 15,19 18-31,-19-19 15,0 0-15,0 1 32,18-1-17,-18 0 1,0 1 0,0-1-16,0 0 15,0 1 1,0-1-1,0 0 1,0 1 0,0-1-1,19 19-15,-19-37 16,0 18 0,19-18-16,-19-1 15,18 20 1,-18-1-16,0-18 15,0 18 1,0-19 0,19 38-16,-19-18 15,0-1 1,19 0-16,-19 1 16,0-1 15,0 0 16,0 1-32,0-1-15,0 0 32,0 1 30,18 18-31,-18-19-15,0 0 15,0 1 16,0-1 16,19 19-48,-19-19 16,19 19-31,-19-18 16,18 18 0,1 0 15,-19-19 0,19 19 16,-19-19-31,18 19-1</inkml:trace>
+  <inkml:trace contextRef="#ctx0" brushRef="#br0" timeOffset="40128.4568">9824 9040 0,'0'18'141,"0"20"-126,0-1-15,0-18 16,0 18-16,18 1 15,-18-20 1,0 20-16,0-20 0,0 20 16,0-20-1,0 1 63,0 0-46</inkml:trace>
+  <inkml:trace contextRef="#ctx0" brushRef="#br0" timeOffset="43616.4519">20059 9096 0,'-57'0'0,"1"0"15,19 0-15,-19 0 16,19 0-16,-1 0 16,1 0-16,0 0 15</inkml:trace>
+  <inkml:trace contextRef="#ctx0" brushRef="#br0" timeOffset="44423.5273">12308 9600 0,'-19'0'15,"0"-19"17,19-18-17,-18-19-15,-1 0 16,-18-37-16,18 18 16,-18-56-16,-1 0 15,38 19-15,-18 0 16,-1 38-16,19 18 15,0-19-15,0 19 16,0 0-16,0 18 16,0 20-16,0-1 15</inkml:trace>
+  <inkml:trace contextRef="#ctx0" brushRef="#br0" timeOffset="44855.4351">10888 9096 0</inkml:trace>
+</inkml:ink>
+</file>
+
+<file path=ppt/ink/ink3.xml><?xml version="1.0" encoding="utf-8"?>
+<inkml:ink xmlns:inkml="http://www.w3.org/2003/InkML">
+  <inkml:definitions>
+    <inkml:context xml:id="ctx0">
+      <inkml:inkSource xml:id="inkSrc0">
+        <inkml:traceFormat>
+          <inkml:channel name="X" type="integer" max="1360" units="cm"/>
+          <inkml:channel name="Y" type="integer" max="768" units="cm"/>
+          <inkml:channel name="T" type="integer" max="2.14748E9" units="dev"/>
+        </inkml:traceFormat>
+        <inkml:channelProperties>
+          <inkml:channelProperty channel="X" name="resolution" value="8.5" units="1/cm"/>
+          <inkml:channelProperty channel="Y" name="resolution" value="8.53333" units="1/cm"/>
+          <inkml:channelProperty channel="T" name="resolution" value="1" units="1/dev"/>
+        </inkml:channelProperties>
+      </inkml:inkSource>
+      <inkml:timestamp xml:id="ts0" timeString="2022-06-25T18:56:32.138"/>
+    </inkml:context>
+    <inkml:brush xml:id="br0">
+      <inkml:brushProperty name="width" value="0.05292" units="cm"/>
+      <inkml:brushProperty name="height" value="0.05292" units="cm"/>
+      <inkml:brushProperty name="color" value="#FF0000"/>
+    </inkml:brush>
+  </inkml:definitions>
+  <inkml:trace contextRef="#ctx0" brushRef="#br0">8535 9002 0,'19'0'109,"-1"0"-93,1 0 0,0 0-16,18 0 15,-18 0-15,0 0 16,-1 0-16,38 0 15,-18 0-15,-1 0 16,-18 0-16,-1 0 16,20 0-16,-1 19 15,0-19 1,-18 0-16,18 0 16,19 0-16,-18 0 15,18 0-15,0 0 16,0 0-16,0 0 15,0 0-15,19 0 16,-19 0-16,18 0 16,-18 0-16,0 0 15,0 19-15,0-19 16,1 0-16,-20 0 16,0 0-16,-18 0 15,18 0-15,-18 0 16,0 0-1,-1 0-15,1 0 16,0 0 0,-1 0-16,20 0 15,-1 0-15,19 0 16,-19 0-16,19 0 16,0 0-16,0 0 15,1 0-15,-1-19 16,0 19-16,18 0 15,-18 0 1,19-19-16,-19 19 16,19 0-16,-1 0 15,-18 0-15,19 0 16,-19 0-16,0 0 16,0 0-16,0 0 15,19-18-15,0 18 16,-1 0-16,38 0 15,-18 0-15,37 0 16,-38 0-16,38 0 16,-19-19-16,37 19 15,-18-19 1,-19 19-16,19 0 0,-1-18 16,1 18-16,19 0 15,-38 0-15,18 0 16,1 0-16,-37 0 15,18 0-15,0 0 16,0 0-16,-38 0 16,1 0-16,0 0 15,-19 0-15,0-19 16,19 19-16,18 0 16,-37 0-1,0 0-15,0 0 16,0 0-16,0 0 15,0 0-15</inkml:trace>
+  <inkml:trace contextRef="#ctx0" brushRef="#br0" timeOffset="1903.7763">18322 8367 0,'18'0'235,"-18"-18"-220,19-1 1,-19 0 15,0 1 94,19 18-125,-19-19 16,18 19-1,-18-19 313,19 1-187,-19-1-125,19 19-1</inkml:trace>
+  <inkml:trace contextRef="#ctx0" brushRef="#br0" timeOffset="8248.1481">9413 9862 0,'19'18'0,"-19"1"16,18-19-16,-18 19 16,19-1-16,-19 1 15,0 18-15,0-18 16,0 0-1,0-1-15,0 1 16,0 0 0,-19-1-16,1 1 15,-1 0-15,0-1 16,-18 1-16,18 0 16,-18-1-16,0 1 15,-1-19-15,1 37 16,-19-18-16,-19 0 15,0-1-15,1 20 16,-38-20-16,-19 1 16,0 0-16,0-1 15,-18 1-15,0 0 16,-1-19-16,1 0 16,-1 0-1,1 0-15,-57 0 0,38 19 16,0-19-1,0 18-15,56-18 16,-19 19-16,57-19 16,-38 19-16,37-19 15,19 0-15,-19 0 16,1 0-16,17 0 16,1 0-16,-18 0 15,-1 0-15,-37 0 16,37 0-16,-18 0 15,-19 0-15,0 0 16,-19 0-16,0 0 16,1-19-16,-1 19 15,37-19-15,-18 19 16,19-18-16,-38-1 16,1 0-16,-1 0 15,37 19-15,-18 0 16,38 0-16,-1 0 15,0 0-15,1 0 16,18 0 0,-1 0-16,1 0 15,19 0-15,-19 0 16,19 0-16,-1 0 16,20 0-16,-1 0 15,-18 0-15,18 0 16,0 0-1,1 0-15,-1 0 16,-18 0-16,-1 0 16,20 0-1,-20-18 1,20 18 0,-20 0-16,20-19 15,-1 19-15,-19-19 16,20 19-16,-1 0 15,-18 0-15,-1 0 16,20 0-16,-20-18 16,1-1-16,18 19 15,1 0-15,-20 0 16,1-19-16,18 19 16,1 0-1,-1-18 1,0 18-16,1 0 15,-20 0-15,20 0 16,-1-19-16,-18 19 16,18-19-16,0 19 15,1-18 1,-1-1-16,-19 0 16,20 1-1,-20-20-15,20 38 16,-1-18-16,-18-1 15,18 0-15,0 1 16,1 18-16,-1-19 16,19 0-1,0 1-15,0-1 16,0 0 0,0 1-1,0-1 1,19 19-16,-1-19 15,1 1-15,37-20 16,0 38-16,0-18 16,19-1-16,37 0 15,19 0-15,-19 1 16,0-1-16,-19 19 16,19 0-1,-18 0-15,36 0 16,-18-19-16,-37 19 15,18 0-15,-18 0 16,37 0-16,-18 0 16,18 0-16,0 0 15,18-18-15,1 18 16,0-19-16,-19 19 16,0 0-16,-19 0 15,1-19-15,-19 19 16,-1 0-16,1 0 15,0 0-15,-1 0 16,1 0-16,37 0 16,-18 0-16,36 0 15,1 0-15,18 0 16,1 0-16,18 0 16,-19 0-16,19 0 15,38 0-15,-19 0 16,-38 0-16,-37 0 15,19 0-15,-19 19 16,0-19-16,0 0 16,-19 0-1,-18 0-15,0 0 16,18 0-16,-18 0 16,-19 0-16,0 0 15,0 19-15,-19-19 16,1 0-16,18 0 15,-19 0-15,0 18 16,1-18-16,18 0 16,0 0-16,-19 0 15,1 0-15,-1 0 16,0 0-16,1 19 16,-1-19-16,-18 0 15,-1 0-15,1 0 16,18 0-16,-18 0 15,0 0-15,-1 0 16,20 0 0,-20 19-1,1-19 48,0 0-32,-1 0-15,1 0-1,-19 18 1,19-18 0,-1 0-1,1 0-15,0 0 31,-19 19-31,18-19 16,1 0 0,0 0-16,-1 0 15,1 0 1,0 19 0,0-19-1,-1 0 1</inkml:trace>
+  <inkml:trace contextRef="#ctx0" brushRef="#br0" timeOffset="9056.4943">9786 10160 0,'56'0'78,"-18"-18"-78,18-1 16,0 19-16,19 0 15,55 0-15,-36 0 16,18-19-16,-38 19 16,1 0-1,0 0-15,-19 0 16,-19 0-16,-18 0 15,0 0-15</inkml:trace>
+  <inkml:trace contextRef="#ctx0" brushRef="#br0" timeOffset="9832.5114">11112 9974 0,'0'0'0,"38"0"15,-1 0-15,-18 0 16,18 0-16,-18 0 15,0 0-15,-19 18 16,18-18-16,1 0 31,-19 19-15,19-19-16,-19 19 16,18-19-16,-18 18 15,19 1-15,0-19 16,-1 19-16,1-19 15,0 18-15,-1 1 16,-18 0-16,19-1 16,-19 1 15,0 0-15,0-1 15,0 1-16,-19 0 1,1-1 0,-1 1-1,0-19 1</inkml:trace>
+</inkml:ink>
+</file>
+
+<file path=ppt/ink/ink4.xml><?xml version="1.0" encoding="utf-8"?>
+<inkml:ink xmlns:inkml="http://www.w3.org/2003/InkML">
+  <inkml:definitions>
+    <inkml:context xml:id="ctx0">
+      <inkml:inkSource xml:id="inkSrc0">
+        <inkml:traceFormat>
+          <inkml:channel name="X" type="integer" max="1360" units="cm"/>
+          <inkml:channel name="Y" type="integer" max="768" units="cm"/>
+          <inkml:channel name="T" type="integer" max="2.14748E9" units="dev"/>
+        </inkml:traceFormat>
+        <inkml:channelProperties>
+          <inkml:channelProperty channel="X" name="resolution" value="8.5" units="1/cm"/>
+          <inkml:channelProperty channel="Y" name="resolution" value="8.53333" units="1/cm"/>
+          <inkml:channelProperty channel="T" name="resolution" value="1" units="1/dev"/>
+        </inkml:channelProperties>
+      </inkml:inkSource>
+      <inkml:timestamp xml:id="ts0" timeString="2022-06-25T19:00:26.081"/>
+    </inkml:context>
+    <inkml:brush xml:id="br0">
+      <inkml:brushProperty name="width" value="0.05292" units="cm"/>
+      <inkml:brushProperty name="height" value="0.05292" units="cm"/>
+      <inkml:brushProperty name="color" value="#FF0000"/>
+    </inkml:brush>
+  </inkml:definitions>
+  <inkml:trace contextRef="#ctx0" brushRef="#br0">10982 5267 0,'-38'0'0,"-18"0"15,19 0-15,-19-19 16,0 19-16,0 0 16,0-18-16,0 18 15,19-19-15,-1 19 16,-18 0-16,0-19 15,0 19-15,0-18 16,0 18 0,0-19-16,0 19 0,0 0 15,-37-19 1,18 1-16,-19-1 16,-18 19-16,0-19 15,19 19-15,-19-18 16,19 18-16,-20-19 15,1 19-15,-37-19 16,18 19-16,19 0 16,19 0-16,-1 0 15,-18 0-15,19 0 16,-19 0-16,37 0 16,1 0-16,17 0 15,20 0-15,0 0 16,-19 19-16,0-19 15,0 19-15,18-1 16,1-18-16,0 19 16,-1-19-16,-18 19 15,38-1-15,-1-18 16,-18 19-16,18 0 16,0-1-16,1 1 15,-1-19-15,19 19 16,-19-1-1,19 1 1,-19 0 0,19-1-1,0 1-15,0 0 16,0 18-16,0-18 16,0-1-16,0 1 15,0 0-15,0 0 16,0-1-16,19 1 15,19 18-15,-20-18 16,1 0-16,18-1 16,-18 20-16,18-38 15,-18 37-15,0-37 16,18 37-16,0-18 16,1 0-16,-1-1 15,19 20-15,0-1 16,0-18-16,-19-1 15,19 1-15,1-19 16,-20 19-16,0 18 16,1-37-16,-1 19 15,38-1-15,-38 1 16,0-19-16,1 0 16,18 19-1,0-19-15,0 0 16,0 0-16,0 0 15,0 0-15,0 0 16,0 0-16,0 0 16,0 0-16,0 0 15,0 0-15,0 0 16,0-19-16,19 19 16,-19-19-16,37 19 15,-37-18-15,19 18 16,0-19-16,37 0 15,-19 19-15,19-18 16,-37-20-16,37 20 16,19-20-16,-19 1 15,-19 18-15,19-18 16,0 0-16,-18-1 16,-38 20-16,-19-20 15,0 20-15,1-20 16,-20 38-16,1-37 15,0 0 1,-1 18-16,1 0 16,0 0-16,-19 1 15,37-20 1,-37 20-16,19-1 16,-1 0-16,-18 1 15,0-1-15,19 19 16,-19-19-16</inkml:trace>
+  <inkml:trace contextRef="#ctx0" brushRef="#br0" timeOffset="1119.7417">10347 5771 0,'0'19'78,"0"0"-62,37-1-1,0 1-15,1 18 16,-1-18-16,19 18 15,-18-18-15,-20 0 16,20-1-16,-20-18 16,1 19-16,0 0 15,-1-19-15,1 0 16</inkml:trace>
+  <inkml:trace contextRef="#ctx0" brushRef="#br0" timeOffset="1649.2901">10982 6014 0,'0'0'0,"0"19"47,-19-19 16,19 19-48,-19-19 1,19 18-1,-18-18 1,-1 0-16,0 19 31,-18 0-15,18-1-16,1-18 16,-38 38-16,18-38 15</inkml:trace>
+  <inkml:trace contextRef="#ctx0" brushRef="#br0" timeOffset="9087.7576">23009 7340 0,'19'19'16,"-19"0"-1,0-1-15,0 1 16,0 37-16,0-19 16,0 1-16,0-1 15,0-18-15,0 18 16,0-18-16,-19-1 15,1 1-15,-1 0 16,19-1-16,-37-18 16,18 19-16,-18 18 15,-19-37 1,18 38-16,1-20 16,-19-18-16,0 19 15,-38 18-15,1 1 16,-38-1-16,1 1 15,-38 18-15,-19 0 16,-37 37-16,0-18 16,-38 18-16,38-18 15,0-1-15,-19 1 16,19-19-16,0 19 16,0-19-16,18 0 15,19-19-15,19 19 16,-18-37-16,55 0 15,-19-1-15,20 1 16,-1 0-16,0-1 16,19 1-16,-56 0 15,0-1-15,-19 1 16,19 18-16,-37 1 16,-19-1-16,-19 1 15,0 18-15,-37 0 16,37 18-16,-18-36 15,-20-1 1,-36-18-16,-94-19 16,-93 0-16,-169 0 15,169 0-15,93 0 16,56 0-16,57 0 16,-39 37-16,-17-37 15,55 0-15,-56 0 16,-19 0-16,-74 0 15,-131-19-15,19-18 16,-56 18-16,149 19 16,149 0-16,94 19 15,19 0-15,37-19 16,-57 0-16,1 0 16,0 0-16,19 0 15,37-19-15,18 0 16,38 1-16,0-1 15,37 0-15,19 1 16,-18 18-16,18-19 16,-19-18-16,38 18 15,-1 19-15,1-37 16,-19 18-16,0-18 16,-19-1-1,19 38-15,0-18 16,19-1-16,18 0 15,-18 0-15,-38-18 16,19 18-16,0-18 16,19 0-16,-19 37 15,37-19-15,0 0 16,-37-18-16,0 0 16,-37-38-16,-1 0 15,-18 1-15,19 18 16,0 0-16,18 18 15,0-18-15,-18 0 16,-1 0-16,20 0 16,-20 19-16,57-19 15,0 37-15,18-18 16,-18 18-16,37 0 16,-19-37-16,0 19 15,19 18-15,0 1 16,0-1-16,0 0 94,0 1-94,19-1 31,0 19-31,-1-19 15,38 0 1,-18 19-16,-1 0 16,19-18-16,19 18 15,37 0-15,-38-19 16,-18 19-16,1-19 16,-20 19-16,-18 0 15,18 0 266,-18-18-249,-1 18-32,20-19 15,36 0-15,38 1 16,0 18-16,0-19 16,19 0-16,37 1 15,0-1-15,0-18 16,1 18-16,-20 19 15,-37-19-15,19 19 16,0 0-16,18-18 16,0-1-16,38 19 15,-37-19-15,-1 1 16,-18-1-16,18-18 16,-18-1-1,0 1-15,-1 18 16,20 1-16,-1-1 15,57 0-15,-1 19 16,-18-18-16,18 18 16,1 0-16,18-19 15,37 0-15,1 19 16,-1-19-16,38 19 16,37-18-16,-37 18 15,75-38-15,-57 20 16,1-1-16,18 0 15,-19-18-15,-55 37 16,93-19-16,-57 19 16,-18-18-16,1-1 15,-39 19-15,20-19 16,-1 19-16,38 0 16,-37 0-16,-1 0 15,1 0-15,18 0 16,-19 0-16,38 0 15,19 0-15,-76 0 16,1 0-16,-19 0 16,0 0-1,19 0-15,-19 0 16,-18 0-16,-57 0 16,1 0-16,-20 0 15,-36 0-15,-1 0 16,-18-18-16,-1-1 15,-18 0-15,1 19 16,-39 0-16,1-18 16,0 18-1,-1 0 1,1 0 0,0 0-16,-1 0 15,20 0 1,18 0-16,-19 18 15,0-18-15,19 0 16,0 19-16,0-19 16,19 19-16,37-1 15,19 1-15,0 0 16,-1-1-16,-18 1 16,19 0-16,0-1 15,0-18-15,37 19 16,-19-19-1,19 19-15,-56-19 16,19 0-16,-38 0 16,38 0-16,-19 0 15,-18 0-15,-20 18 16,-18-18-16,0 0 16,-18 0-16,18 0 15,-19 0-15,0 0 16,1 0-16,-1 0 15,-18 0-15,18 0 16,-18 0 15,0 0-15,-1 0-16,1 0 16,0 0-1,-1 0 1,1 0-16,0 0 15,18 0 1,-18 0 0,-1 0-16,20 0 31,-20 0-31,1 0 16,0 0-16,-1 0 15,20 0 1,-20 0-1,20 0-15,-1 0 16,0 0-16,1 0 16,18 0-16,-19 0 15,1 0-15,-20 0 16,20 0-16,-1 0 16,-18 0-16,-1 0 15,1 0-15,0 0 63,-1 0-16,1 0-47,-19 19 15,19-19 1,-1 19 46,1-1-46,-19 1 0,19-19-16,-1 19 15,-18 0 1,19-19-16,-19 18 15,0 1-15,19-19 16</inkml:trace>
+  <inkml:trace contextRef="#ctx0" brushRef="#br0" timeOffset="28135.557">13242 8890 0,'-19'0'93,"0"0"-61,-18 0-32,-19 0 15,-19 0-15,0 0 16,1 0-1,18 0-15,0 0 16,0 0-16,0 0 16,0 0-16,37 0 15,-18 0-15</inkml:trace>
+  <inkml:trace contextRef="#ctx0" brushRef="#br0" timeOffset="29008.3606">7713 8685 0,'56'-19'78,"56"1"-62,38-1-16,18 19 16,37 0-16,20 0 15,-20 0-15,-18-19 16,-38 19-16,-18-18 15,-56 18-15,-19 0 16,-19-19-16</inkml:trace>
+  <inkml:trace contextRef="#ctx0" brushRef="#br0" timeOffset="29687.7562">14885 8535 0,'19'0'16,"-1"0"-1,1 0 17,19 0-17,18 0 1,37 0-16,19 0 16,0 0-16,0 0 15,19 0-15,-56 0 16,-1 0-16,1-18 15,0 18-15</inkml:trace>
+  <inkml:trace contextRef="#ctx0" brushRef="#br0" timeOffset="29999.7175">17593 8498 0,'0'0'0,"187"0"0,0 0 16,18 0-16,19-19 15,19 19-15,-19 0 16,-18 0-16,-38 0 16,-19 0-16,-37 0 15,-56 0-15,-18 0 16</inkml:trace>
+  <inkml:trace contextRef="#ctx0" brushRef="#br0" timeOffset="30256.6928">20376 8405 0,'0'0'0,"37"0"63</inkml:trace>
+  <inkml:trace contextRef="#ctx0" brushRef="#br0" timeOffset="31551.1069">20040 8517 0,'19'0'0,"-19"-19"15,18 19-15,1-19 16,37 19-16,37-18 0,1-1 15,18 0 1,-19 19-16,38-18 16,-19-1-16,-37 0 15,-19 1-15,-19 18 16</inkml:trace>
+  <inkml:trace contextRef="#ctx0" brushRef="#br0" timeOffset="31911.5923">21403 9395 0</inkml:trace>
+  <inkml:trace contextRef="#ctx0" brushRef="#br0" timeOffset="32208.0949">18957 10291 0</inkml:trace>
+</inkml:ink>
 </file>
 
 <file path=ppt/notesMasters/notesMaster1.xml><?xml version="1.0" encoding="utf-8"?>
@@ -12918,6 +13054,13 @@
   <p:clrMapOvr>
     <a:masterClrMapping/>
   </p:clrMapOvr>
+  <p:timing>
+    <p:tnLst>
+      <p:par>
+        <p:cTn id="1" dur="indefinite" restart="never" nodeType="tmRoot"/>
+      </p:par>
+    </p:tnLst>
+  </p:timing>
 </p:sld>
 </file>
 
@@ -12985,6 +13128,13 @@
   <p:clrMapOvr>
     <a:masterClrMapping/>
   </p:clrMapOvr>
+  <p:timing>
+    <p:tnLst>
+      <p:par>
+        <p:cTn id="1" dur="indefinite" restart="never" nodeType="tmRoot"/>
+      </p:par>
+    </p:tnLst>
+  </p:timing>
 </p:sld>
 </file>
 
@@ -13098,10 +13248,10 @@
               <a:buChar char="●"/>
             </a:pPr>
             <a:r>
-              <a:rPr lang="fr" sz="1365"/>
+              <a:rPr lang="fr" sz="1365" dirty="0"/>
               <a:t>O1:No similar startup existed before  in algeria </a:t>
             </a:r>
-            <a:endParaRPr sz="1365"/>
+            <a:endParaRPr sz="1365" dirty="0"/>
           </a:p>
           <a:p>
             <a:pPr marL="457200" lvl="0" indent="-308776" algn="l" rtl="0">
@@ -13118,10 +13268,10 @@
               <a:buChar char="●"/>
             </a:pPr>
             <a:r>
-              <a:rPr lang="fr" sz="1365"/>
+              <a:rPr lang="fr" sz="1365" dirty="0"/>
               <a:t>O2:Attributing “Projet innovant” label by startup ministry for projects have not yet been created.</a:t>
             </a:r>
-            <a:endParaRPr sz="1365"/>
+            <a:endParaRPr sz="1365" dirty="0"/>
           </a:p>
           <a:p>
             <a:pPr marL="457200" lvl="0" indent="-308776" algn="l" rtl="0">
@@ -13138,10 +13288,10 @@
               <a:buChar char="●"/>
             </a:pPr>
             <a:r>
-              <a:rPr lang="fr" sz="1365"/>
+              <a:rPr lang="fr" sz="1365" dirty="0"/>
               <a:t>O3:Financial support by Algerian Startup Fund</a:t>
             </a:r>
-            <a:endParaRPr sz="1365"/>
+            <a:endParaRPr sz="1365" dirty="0"/>
           </a:p>
           <a:p>
             <a:pPr marL="457200" lvl="0" indent="-308776" algn="l" rtl="0">
@@ -13158,10 +13308,10 @@
               <a:buChar char="●"/>
             </a:pPr>
             <a:r>
-              <a:rPr lang="fr" sz="1365"/>
+              <a:rPr lang="fr" sz="1365" dirty="0"/>
               <a:t>O4:Algeria Venture, a place where a project will be accelerated</a:t>
             </a:r>
-            <a:endParaRPr sz="1365"/>
+            <a:endParaRPr sz="1365" dirty="0"/>
           </a:p>
           <a:p>
             <a:pPr marL="457200" lvl="0" indent="-308776" algn="l" rtl="0">
@@ -13178,10 +13328,10 @@
               <a:buChar char="●"/>
             </a:pPr>
             <a:r>
-              <a:rPr lang="fr" sz="1365"/>
+              <a:rPr lang="fr" sz="1365" dirty="0"/>
               <a:t>O5:a broader breakdown in trust in society and online institutions, and the desperate need for companies to win that consumer trust </a:t>
             </a:r>
-            <a:endParaRPr sz="1365"/>
+            <a:endParaRPr sz="1365" dirty="0"/>
           </a:p>
           <a:p>
             <a:pPr marL="457200" lvl="0" indent="-308776" algn="l" rtl="0">
@@ -13198,10 +13348,10 @@
               <a:buChar char="●"/>
             </a:pPr>
             <a:r>
-              <a:rPr lang="fr" sz="1365"/>
+              <a:rPr lang="fr" sz="1365" dirty="0"/>
               <a:t>O6:Raisen feeling of untrust and dissatisfaction from the quality of the products and services offered by local business</a:t>
             </a:r>
-            <a:endParaRPr sz="1365"/>
+            <a:endParaRPr sz="1365" dirty="0"/>
           </a:p>
           <a:p>
             <a:pPr marL="457200" lvl="0" indent="-308776" algn="l" rtl="0">
@@ -13218,10 +13368,10 @@
               <a:buChar char="●"/>
             </a:pPr>
             <a:r>
-              <a:rPr lang="fr" sz="1365"/>
+              <a:rPr lang="fr" sz="1365" dirty="0"/>
               <a:t>O7:researchers have investigated the economic impact of online reviews,finding that online reviews influence consumer choices and impact companies’ bottom lines in a variety of industries (Clemons et al. 2006, Chevalier and Mayzlin 2006, Ye et al. 2009,Zhu and Zhang 2010). </a:t>
             </a:r>
-            <a:endParaRPr sz="1365"/>
+            <a:endParaRPr sz="1365" dirty="0"/>
           </a:p>
           <a:p>
             <a:pPr marL="457200" lvl="0" indent="-308776" algn="l" rtl="0">
@@ -13238,10 +13388,10 @@
               <a:buChar char="●"/>
             </a:pPr>
             <a:r>
-              <a:rPr lang="fr" sz="1365"/>
+              <a:rPr lang="fr" sz="1365" dirty="0"/>
               <a:t>O8:The Algerian Market full OF skillful professional content creators</a:t>
             </a:r>
-            <a:endParaRPr sz="1365"/>
+            <a:endParaRPr sz="1365" dirty="0"/>
           </a:p>
           <a:p>
             <a:pPr marL="457200" lvl="0" indent="0" algn="l" rtl="0">
@@ -13256,7 +13406,7 @@
               </a:spcAft>
               <a:buNone/>
             </a:pPr>
-            <a:endParaRPr sz="1365"/>
+            <a:endParaRPr sz="1365" dirty="0"/>
           </a:p>
         </p:txBody>
       </p:sp>
@@ -13288,11 +13438,57 @@
           </a:ln>
         </p:spPr>
       </p:pic>
+      <mc:AlternateContent xmlns:mc="http://schemas.openxmlformats.org/markup-compatibility/2006">
+        <mc:Choice xmlns:p14="http://schemas.microsoft.com/office/powerpoint/2010/main" Requires="p14">
+          <p:contentPart p14:bwMode="auto" r:id="rId4">
+            <p14:nvContentPartPr>
+              <p14:cNvPr id="2" name="Ink 1"/>
+              <p14:cNvContentPartPr/>
+              <p14:nvPr/>
+            </p14:nvContentPartPr>
+            <p14:xfrm>
+              <a:off x="1748160" y="1654200"/>
+              <a:ext cx="3940200" cy="975240"/>
+            </p14:xfrm>
+          </p:contentPart>
+        </mc:Choice>
+        <mc:Fallback>
+          <p:pic>
+            <p:nvPicPr>
+              <p:cNvPr id="2" name="Ink 1"/>
+              <p:cNvPicPr/>
+              <p:nvPr/>
+            </p:nvPicPr>
+            <p:blipFill>
+              <a:blip r:embed="rId5"/>
+              <a:stretch>
+                <a:fillRect/>
+              </a:stretch>
+            </p:blipFill>
+            <p:spPr>
+              <a:xfrm>
+                <a:off x="1738800" y="1644840"/>
+                <a:ext cx="3958920" cy="993960"/>
+              </a:xfrm>
+              <a:prstGeom prst="rect">
+                <a:avLst/>
+              </a:prstGeom>
+            </p:spPr>
+          </p:pic>
+        </mc:Fallback>
+      </mc:AlternateContent>
     </p:spTree>
   </p:cSld>
   <p:clrMapOvr>
     <a:masterClrMapping/>
   </p:clrMapOvr>
+  <p:timing>
+    <p:tnLst>
+      <p:par>
+        <p:cTn id="1" dur="indefinite" restart="never" nodeType="tmRoot"/>
+      </p:par>
+    </p:tnLst>
+  </p:timing>
 </p:sld>
 </file>
 
@@ -14192,11 +14388,57 @@
           </a:ln>
         </p:spPr>
       </p:pic>
+      <mc:AlternateContent xmlns:mc="http://schemas.openxmlformats.org/markup-compatibility/2006">
+        <mc:Choice xmlns:p14="http://schemas.microsoft.com/office/powerpoint/2010/main" Requires="p14">
+          <p:contentPart p14:bwMode="auto" r:id="rId4">
+            <p14:nvContentPartPr>
+              <p14:cNvPr id="2" name="Ink 1"/>
+              <p14:cNvContentPartPr/>
+              <p14:nvPr/>
+            </p14:nvContentPartPr>
+            <p14:xfrm>
+              <a:off x="618480" y="1331280"/>
+              <a:ext cx="8317440" cy="2125080"/>
+            </p14:xfrm>
+          </p:contentPart>
+        </mc:Choice>
+        <mc:Fallback>
+          <p:pic>
+            <p:nvPicPr>
+              <p:cNvPr id="2" name="Ink 1"/>
+              <p:cNvPicPr/>
+              <p:nvPr/>
+            </p:nvPicPr>
+            <p:blipFill>
+              <a:blip r:embed="rId5"/>
+              <a:stretch>
+                <a:fillRect/>
+              </a:stretch>
+            </p:blipFill>
+            <p:spPr>
+              <a:xfrm>
+                <a:off x="609120" y="1321920"/>
+                <a:ext cx="8336160" cy="2143800"/>
+              </a:xfrm>
+              <a:prstGeom prst="rect">
+                <a:avLst/>
+              </a:prstGeom>
+            </p:spPr>
+          </p:pic>
+        </mc:Fallback>
+      </mc:AlternateContent>
     </p:spTree>
   </p:cSld>
   <p:clrMapOvr>
     <a:masterClrMapping/>
   </p:clrMapOvr>
+  <p:timing>
+    <p:tnLst>
+      <p:par>
+        <p:cTn id="1" dur="indefinite" restart="never" nodeType="tmRoot"/>
+      </p:par>
+    </p:tnLst>
+  </p:timing>
 </p:sld>
 </file>
 
@@ -14464,11 +14706,57 @@
           </a:ln>
         </p:spPr>
       </p:pic>
+      <mc:AlternateContent xmlns:mc="http://schemas.openxmlformats.org/markup-compatibility/2006">
+        <mc:Choice xmlns:p14="http://schemas.microsoft.com/office/powerpoint/2010/main" Requires="p14">
+          <p:contentPart p14:bwMode="auto" r:id="rId4">
+            <p14:nvContentPartPr>
+              <p14:cNvPr id="2" name="Ink 1"/>
+              <p14:cNvContentPartPr/>
+              <p14:nvPr/>
+            </p14:nvContentPartPr>
+            <p14:xfrm>
+              <a:off x="726120" y="2958480"/>
+              <a:ext cx="5910480" cy="840960"/>
+            </p14:xfrm>
+          </p:contentPart>
+        </mc:Choice>
+        <mc:Fallback>
+          <p:pic>
+            <p:nvPicPr>
+              <p:cNvPr id="2" name="Ink 1"/>
+              <p:cNvPicPr/>
+              <p:nvPr/>
+            </p:nvPicPr>
+            <p:blipFill>
+              <a:blip r:embed="rId5"/>
+              <a:stretch>
+                <a:fillRect/>
+              </a:stretch>
+            </p:blipFill>
+            <p:spPr>
+              <a:xfrm>
+                <a:off x="716760" y="2949120"/>
+                <a:ext cx="5929200" cy="859680"/>
+              </a:xfrm>
+              <a:prstGeom prst="rect">
+                <a:avLst/>
+              </a:prstGeom>
+            </p:spPr>
+          </p:pic>
+        </mc:Fallback>
+      </mc:AlternateContent>
     </p:spTree>
   </p:cSld>
   <p:clrMapOvr>
     <a:masterClrMapping/>
   </p:clrMapOvr>
+  <p:timing>
+    <p:tnLst>
+      <p:par>
+        <p:cTn id="1" dur="indefinite" restart="never" nodeType="tmRoot"/>
+      </p:par>
+    </p:tnLst>
+  </p:timing>
 </p:sld>
 </file>
 
@@ -14665,11 +14953,57 @@
           </a:ln>
         </p:spPr>
       </p:pic>
+      <mc:AlternateContent xmlns:mc="http://schemas.openxmlformats.org/markup-compatibility/2006">
+        <mc:Choice xmlns:p14="http://schemas.microsoft.com/office/powerpoint/2010/main" Requires="p14">
+          <p:contentPart p14:bwMode="auto" r:id="rId4">
+            <p14:nvContentPartPr>
+              <p14:cNvPr id="2" name="Ink 1"/>
+              <p14:cNvContentPartPr/>
+              <p14:nvPr/>
+            </p14:nvContentPartPr>
+            <p14:xfrm>
+              <a:off x="1055520" y="1808640"/>
+              <a:ext cx="7234920" cy="1896480"/>
+            </p14:xfrm>
+          </p:contentPart>
+        </mc:Choice>
+        <mc:Fallback>
+          <p:pic>
+            <p:nvPicPr>
+              <p:cNvPr id="2" name="Ink 1"/>
+              <p:cNvPicPr/>
+              <p:nvPr/>
+            </p:nvPicPr>
+            <p:blipFill>
+              <a:blip r:embed="rId5"/>
+              <a:stretch>
+                <a:fillRect/>
+              </a:stretch>
+            </p:blipFill>
+            <p:spPr>
+              <a:xfrm>
+                <a:off x="1046160" y="1799280"/>
+                <a:ext cx="7253640" cy="1915200"/>
+              </a:xfrm>
+              <a:prstGeom prst="rect">
+                <a:avLst/>
+              </a:prstGeom>
+            </p:spPr>
+          </p:pic>
+        </mc:Fallback>
+      </mc:AlternateContent>
     </p:spTree>
   </p:cSld>
   <p:clrMapOvr>
     <a:masterClrMapping/>
   </p:clrMapOvr>
+  <p:timing>
+    <p:tnLst>
+      <p:par>
+        <p:cTn id="1" dur="indefinite" restart="never" nodeType="tmRoot"/>
+      </p:par>
+    </p:tnLst>
+  </p:timing>
 </p:sld>
 </file>
 
@@ -14749,6 +15083,13 @@
   <p:clrMapOvr>
     <a:masterClrMapping/>
   </p:clrMapOvr>
+  <p:timing>
+    <p:tnLst>
+      <p:par>
+        <p:cTn id="1" dur="indefinite" restart="never" nodeType="tmRoot"/>
+      </p:par>
+    </p:tnLst>
+  </p:timing>
 </p:sld>
 </file>
 
